--- a/final ppt/09-web-apps-and-build-with-thimble.pptx
+++ b/final ppt/09-web-apps-and-build-with-thimble.pptx
@@ -322,7 +322,7 @@
           <a:p>
             <a:fld id="{0F9C1CCF-B725-44A7-AA57-5E433BD85C9F}" type="datetimeFigureOut">
               <a:rPr lang="en-US" smtClean="0"/>
-              <a:t>8/30/2021</a:t>
+              <a:t>9/10/2021</a:t>
             </a:fld>
             <a:endParaRPr lang="en-US"/>
           </a:p>
@@ -1047,9 +1047,189 @@
               <a:buNone/>
             </a:pPr>
             <a:r>
-              <a:rPr/>
-              <a:t>[5-7 min]</a:t>
-            </a:r>
+              <a:rPr dirty="0"/>
+              <a:t>[5-7 min</a:t>
+            </a:r>
+            <a:r>
+              <a:rPr dirty="0" smtClean="0"/>
+              <a:t>]</a:t>
+            </a:r>
+            <a:endParaRPr lang="en-GB" dirty="0" smtClean="0"/>
+          </a:p>
+          <a:p>
+            <a:pPr marL="0" lvl="0" indent="0">
+              <a:buNone/>
+            </a:pPr>
+            <a:endParaRPr lang="en-GB" dirty="0" smtClean="0"/>
+          </a:p>
+          <a:p>
+            <a:pPr lvl="1"/>
+            <a:r>
+              <a:rPr lang="en-GB" dirty="0" smtClean="0"/>
+              <a:t>Frame the activity by explaining that some websites are quite different than others. Some are simple; others are more complex. We can divide websites we use into two broad categories:</a:t>
+            </a:r>
+          </a:p>
+          <a:p>
+            <a:pPr marL="1270000" indent="0">
+              <a:buNone/>
+            </a:pPr>
+            <a:r>
+              <a:rPr lang="en-GB" sz="2000" dirty="0" smtClean="0"/>
+              <a:t>Tip! It is recommended to first have users complete the “Building Basic Pages” activity.</a:t>
+            </a:r>
+          </a:p>
+          <a:p>
+            <a:pPr lvl="1"/>
+            <a:r>
+              <a:rPr lang="en-GB" dirty="0" smtClean="0"/>
+              <a:t>1st category: websites where you can access static information.</a:t>
+            </a:r>
+          </a:p>
+          <a:p>
+            <a:pPr lvl="1"/>
+            <a:r>
+              <a:rPr lang="en-GB" dirty="0" smtClean="0"/>
+              <a:t>These websites might not change much over time.</a:t>
+            </a:r>
+          </a:p>
+          <a:p>
+            <a:pPr lvl="1"/>
+            <a:r>
+              <a:rPr lang="en-GB" dirty="0" smtClean="0"/>
+              <a:t>As a user, you can’t do much to change the content site or how it works for you.</a:t>
+            </a:r>
+          </a:p>
+          <a:p>
+            <a:pPr lvl="1"/>
+            <a:r>
+              <a:rPr lang="en-GB" dirty="0" smtClean="0"/>
+              <a:t>Lots of the earliest web pages were like this.</a:t>
+            </a:r>
+          </a:p>
+          <a:p>
+            <a:pPr lvl="1"/>
+            <a:r>
+              <a:rPr lang="en-GB" dirty="0" smtClean="0"/>
+              <a:t>Ask learners, what are examples of static pages? Think of sites that don’t have new content often, or ever. Or sites with very few pages.</a:t>
+            </a:r>
+          </a:p>
+          <a:p>
+            <a:pPr marL="1270000" indent="0">
+              <a:buNone/>
+            </a:pPr>
+            <a:r>
+              <a:rPr lang="en-GB" sz="2000" dirty="0" smtClean="0"/>
+              <a:t>Tip! Examples might be DMV site, small restaurant, etc. These websites are designed primarily to convey information.</a:t>
+            </a:r>
+          </a:p>
+          <a:p>
+            <a:pPr lvl="1"/>
+            <a:r>
+              <a:rPr lang="en-GB" dirty="0" smtClean="0"/>
+              <a:t>2nd category: websites where, as the user, you can do something like create an outcome or change by using the page.</a:t>
+            </a:r>
+          </a:p>
+          <a:p>
+            <a:pPr lvl="1"/>
+            <a:r>
+              <a:rPr lang="en-GB" dirty="0" smtClean="0"/>
+              <a:t>These are websites you use to make something happen.</a:t>
+            </a:r>
+          </a:p>
+          <a:p>
+            <a:pPr lvl="1"/>
+            <a:r>
+              <a:rPr lang="en-GB" dirty="0" smtClean="0"/>
+              <a:t>You might create or share something, or do something to change what content is displayed, or provide information in order to complete a task.</a:t>
+            </a:r>
+          </a:p>
+          <a:p>
+            <a:pPr lvl="1"/>
+            <a:r>
+              <a:rPr lang="en-GB" dirty="0" smtClean="0"/>
+              <a:t>Ask learners, What are examples of websites like these? What’s the last thing you did on the web?</a:t>
+            </a:r>
+          </a:p>
+          <a:p>
+            <a:pPr marL="1270000" indent="0">
+              <a:buNone/>
+            </a:pPr>
+            <a:r>
+              <a:rPr lang="en-GB" sz="2000" dirty="0" smtClean="0"/>
+              <a:t>Tip! Examples might be a public library’s website where you can search for and reserve books and other resources. Or any web mail client like Gmail, Yahoo mail, </a:t>
+            </a:r>
+            <a:r>
+              <a:rPr lang="en-GB" sz="2000" dirty="0" err="1" smtClean="0"/>
+              <a:t>hotmail</a:t>
+            </a:r>
+            <a:r>
+              <a:rPr lang="en-GB" sz="2000" dirty="0" smtClean="0"/>
+              <a:t>, or instant messaging services. Shopping sites, web-based games, social media sites, etc. Google Search is a web application and so is Facebook.</a:t>
+            </a:r>
+          </a:p>
+          <a:p>
+            <a:pPr lvl="1"/>
+            <a:r>
+              <a:rPr lang="en-GB" dirty="0" smtClean="0"/>
+              <a:t>Websites (or parts of websites) that allow users to do something on the web are called web applications.</a:t>
+            </a:r>
+          </a:p>
+          <a:p>
+            <a:pPr lvl="1"/>
+            <a:r>
+              <a:rPr lang="en-GB" dirty="0" smtClean="0"/>
+              <a:t>These web applications are powered by programs (code) that let the client computer (the one you use to browse with) to work with the server (the computer where the website lives) to make something happen.</a:t>
+            </a:r>
+          </a:p>
+          <a:p>
+            <a:pPr lvl="1"/>
+            <a:r>
+              <a:rPr lang="en-GB" dirty="0" smtClean="0"/>
+              <a:t>Lots of small, simple elements learners have probably seen before can be thought of as web applications.</a:t>
+            </a:r>
+          </a:p>
+          <a:p>
+            <a:pPr lvl="1"/>
+            <a:r>
+              <a:rPr lang="en-GB" dirty="0" smtClean="0"/>
+              <a:t>Web forms that allow users to submit information, for instance their name and email address.</a:t>
+            </a:r>
+          </a:p>
+          <a:p>
+            <a:pPr lvl="1"/>
+            <a:r>
+              <a:rPr lang="en-GB" dirty="0" smtClean="0"/>
+              <a:t>Search bars that allow users to access a set results based on a question or term that you type into a search bar.</a:t>
+            </a:r>
+          </a:p>
+          <a:p>
+            <a:pPr lvl="1"/>
+            <a:r>
+              <a:rPr lang="en-GB" dirty="0" smtClean="0"/>
+              <a:t>Ask learners if they have used search bars or web forms– if so, they have used web apps!</a:t>
+            </a:r>
+          </a:p>
+          <a:p>
+            <a:pPr lvl="1"/>
+            <a:r>
+              <a:rPr lang="en-GB" dirty="0" smtClean="0"/>
+              <a:t>Explain that web apps can be much more complex, too. Thimble is a web app for creating web pages. Thimble is a coding tool for writing HTML and other web languages; it also publishes learners’ pages so they’re actually online, on the web.</a:t>
+            </a:r>
+          </a:p>
+          <a:p>
+            <a:pPr marL="1270000" indent="0">
+              <a:buNone/>
+            </a:pPr>
+            <a:r>
+              <a:rPr lang="en-GB" sz="2000" dirty="0" smtClean="0"/>
+              <a:t>Tip! If learners have already done the “Building Basic Pages” activity, (which is a recommended) you can remind them that they don’t need to be online OR use a web app like Thimble to create web pages. They can use a simple text editor to write HTML and save their pages, and use any browser to view pages. These pages are offline until uploaded to a web server.</a:t>
+            </a:r>
+          </a:p>
+          <a:p>
+            <a:pPr marL="0" lvl="0" indent="0">
+              <a:buNone/>
+            </a:pPr>
+            <a:endParaRPr dirty="0"/>
           </a:p>
         </p:txBody>
       </p:sp>
@@ -1137,9 +1317,138 @@
               <a:buNone/>
             </a:pPr>
             <a:r>
-              <a:rPr/>
-              <a:t>[5-7 min]</a:t>
-            </a:r>
+              <a:rPr dirty="0"/>
+              <a:t>[5-7 min</a:t>
+            </a:r>
+            <a:r>
+              <a:rPr dirty="0" smtClean="0"/>
+              <a:t>]</a:t>
+            </a:r>
+            <a:endParaRPr lang="en-GB" dirty="0" smtClean="0"/>
+          </a:p>
+          <a:p>
+            <a:pPr marL="0" lvl="0" indent="0">
+              <a:buNone/>
+            </a:pPr>
+            <a:endParaRPr lang="en-GB" dirty="0" smtClean="0"/>
+          </a:p>
+          <a:p>
+            <a:pPr lvl="1"/>
+            <a:r>
+              <a:rPr lang="en-GB" dirty="0" smtClean="0"/>
+              <a:t>For this section, the facilitator should project their screen so all learners can see the Thimble tour. Ideally, learners will follow along on their own computers. Learners may find it helpful to work in pairs. &gt; Tip! It’s best if users sign in/create an account so they can publish pages. However, if users don’t feel comfortable creating an account, they can play around with writing or editing HTML in the editor, and seeing how the results change in the preview window. They will not be able to publish pages.</a:t>
+            </a:r>
+          </a:p>
+          <a:p>
+            <a:pPr lvl="1"/>
+            <a:r>
+              <a:rPr lang="en-GB" dirty="0" smtClean="0"/>
+              <a:t>Go to the </a:t>
+            </a:r>
+            <a:r>
+              <a:rPr lang="en-GB" dirty="0" smtClean="0">
+                <a:hlinkClick r:id="rId3"/>
+              </a:rPr>
+              <a:t>Thimble Home page</a:t>
+            </a:r>
+            <a:r>
+              <a:rPr lang="en-GB" dirty="0" smtClean="0"/>
+              <a:t>, and click “Start a Project From Scratch”. Explain to users that we’ve now left the Thimble home page and we’re using Thimble as a web application to do something– to make HTML pages. We’re doing this in the browser, which is pretty cool!</a:t>
+            </a:r>
+          </a:p>
+          <a:p>
+            <a:pPr lvl="1"/>
+            <a:r>
+              <a:rPr lang="en-GB" dirty="0" smtClean="0"/>
+              <a:t>Ask learners, what do you see– how does this page look different from the Thimble home page? How is the page divided up? What is each section or window for? What’s the relationship between the sections? Let learners talk and come up with answers, but be sure they understand the following:</a:t>
+            </a:r>
+          </a:p>
+          <a:p>
+            <a:pPr lvl="2"/>
+            <a:r>
+              <a:rPr lang="en-GB" dirty="0" smtClean="0"/>
+              <a:t>At the top left, there’s an area where you can type in and change the filename from “untitled project” to a filename that makes sense for the page you want to create page.</a:t>
+            </a:r>
+          </a:p>
+          <a:p>
+            <a:pPr lvl="2"/>
+            <a:r>
+              <a:rPr lang="en-GB" dirty="0" smtClean="0"/>
+              <a:t>On the left, there’s a space called FILES where we see two file names. These are the two files that we can work on and edit for this project. Learners can switch between them by clicking on the names. If learners create new files, they’ll appear here.</a:t>
+            </a:r>
+          </a:p>
+          <a:p>
+            <a:pPr lvl="2"/>
+            <a:r>
+              <a:rPr lang="en-GB" dirty="0" smtClean="0"/>
+              <a:t>In the middle there’s space called EDITOR, where we can see the HTML code, and we can edit it there, too.</a:t>
+            </a:r>
+          </a:p>
+          <a:p>
+            <a:pPr lvl="2"/>
+            <a:r>
+              <a:rPr lang="en-GB" dirty="0" smtClean="0"/>
+              <a:t>On the right, there’s a space called “PREVIEW” – when we edit code, we see how it will look in a browser– and the changes will happen as we type!</a:t>
+            </a:r>
+          </a:p>
+          <a:p>
+            <a:pPr marL="1270000" indent="0">
+              <a:buNone/>
+            </a:pPr>
+            <a:r>
+              <a:rPr lang="en-GB" sz="2000" dirty="0" smtClean="0"/>
+              <a:t>Tip! This is a cool feature, so give users some small tasks to do– for example, changing the size of the heading, or editing the word “amazing.”</a:t>
+            </a:r>
+          </a:p>
+          <a:p>
+            <a:pPr lvl="1"/>
+            <a:r>
+              <a:rPr lang="en-GB" dirty="0" smtClean="0"/>
+              <a:t>Note that changes or additions that don’t follow HTML rules won’t appear in preview– learners check for problems in the editor, where the mistake or “bug” will be highlighted in red in the editor window.</a:t>
+            </a:r>
+          </a:p>
+          <a:p>
+            <a:pPr lvl="1"/>
+            <a:r>
+              <a:rPr lang="en-GB" dirty="0" smtClean="0"/>
+              <a:t>Also note the address in the browser bar, at the top of the screen– if you are not signed in, there should be a </a:t>
+            </a:r>
+            <a:r>
+              <a:rPr lang="en-GB" dirty="0" err="1" smtClean="0"/>
+              <a:t>blackslash</a:t>
+            </a:r>
+            <a:r>
+              <a:rPr lang="en-GB" dirty="0" smtClean="0"/>
+              <a:t> following the address “https://thimble.mozilla.org/</a:t>
+            </a:r>
+            <a:r>
+              <a:rPr lang="en-GB" dirty="0" err="1" smtClean="0"/>
+              <a:t>en</a:t>
+            </a:r>
+            <a:r>
+              <a:rPr lang="en-GB" dirty="0" smtClean="0"/>
+              <a:t>-US/” and then “anonymous” and a backslash + string of letters and numbers – this is a placeholder location on Mozilla’s server where your Thimble session will be stored temporarily.</a:t>
+            </a:r>
+          </a:p>
+          <a:p>
+            <a:pPr lvl="1"/>
+            <a:r>
+              <a:rPr lang="en-GB" dirty="0" smtClean="0"/>
+              <a:t>If learners are signed in, the web address will be https://thimble.mozilla.org/en-US/ + / username + /some random short set of numbers. * This is a location (a URL) the web app has created to store this learner’s work on the project, it’s the Thimble view of the project. * * Learners can also find their projects clicking on the user name in the top right and selecting “My Projects.”</a:t>
+            </a:r>
+          </a:p>
+          <a:p>
+            <a:pPr lvl="1"/>
+            <a:r>
+              <a:rPr lang="en-GB" dirty="0" smtClean="0"/>
+              <a:t>On top right, there’s a PUBLISH button. If a learner is signed in to Thimble and presses this button, their page will be saved on Mozilla’s servers, and be accessible on the web. Thimble will provide them with a web address that’s different from the one for the Thimble view. This publishes the address of their page, LIVE on the Web! Anyone, anywhere on the web can view their page at this address. &gt; Tip! You may need to clarify for users that people visiting this address will see just the page itself, NOT the working Thimble view with the editor window and all the options. Test it out, and compare the published address vs. the address of the Thimble view.</a:t>
+            </a:r>
+          </a:p>
+          <a:p>
+            <a:pPr marL="0" lvl="0" indent="0">
+              <a:buNone/>
+            </a:pPr>
+            <a:endParaRPr dirty="0"/>
           </a:p>
         </p:txBody>
       </p:sp>
@@ -2068,7 +2377,7 @@
           <a:p>
             <a:fld id="{241EB5C9-1307-BA42-ABA2-0BC069CD8E7F}" type="datetimeFigureOut">
               <a:rPr lang="en-US" smtClean="0"/>
-              <a:t>8/30/2021</a:t>
+              <a:t>9/10/2021</a:t>
             </a:fld>
             <a:endParaRPr lang="en-US"/>
           </a:p>
@@ -6866,163 +7175,95 @@
         <p:spPr/>
         <p:txBody>
           <a:bodyPr>
-            <a:normAutofit fontScale="25000" lnSpcReduction="20000"/>
+            <a:noAutofit/>
           </a:bodyPr>
           <a:lstStyle/>
           <a:p>
             <a:pPr lvl="1"/>
             <a:r>
-              <a:rPr/>
-              <a:t>Frame the activity by explaining that some websites are quite different than others. Some are simple; others are more complex. We can divide websites we use into two broad categories:</a:t>
-            </a:r>
-          </a:p>
-          <a:p>
-            <a:pPr marL="1270000" indent="0">
-              <a:buNone/>
-            </a:pPr>
-            <a:r>
-              <a:rPr sz="2000"/>
-              <a:t>Tip! It is recommended to first have users complete the “Building Basic Pages” activity.</a:t>
-            </a:r>
-          </a:p>
-          <a:p>
-            <a:pPr lvl="1"/>
-            <a:r>
-              <a:rPr/>
-              <a:t>1st category: websites where you can access static information.</a:t>
-            </a:r>
-          </a:p>
-          <a:p>
-            <a:pPr lvl="1"/>
-            <a:r>
-              <a:rPr/>
+              <a:rPr sz="2400" dirty="0" smtClean="0">
+                <a:latin typeface="+mn-lt"/>
+              </a:rPr>
+              <a:t>We </a:t>
+            </a:r>
+            <a:r>
+              <a:rPr sz="2400" dirty="0">
+                <a:latin typeface="+mn-lt"/>
+              </a:rPr>
+              <a:t>can divide websites we use into two broad categories</a:t>
+            </a:r>
+            <a:r>
+              <a:rPr sz="2400" dirty="0" smtClean="0">
+                <a:latin typeface="+mn-lt"/>
+              </a:rPr>
+              <a:t>:</a:t>
+            </a:r>
+            <a:endParaRPr lang="en-GB" sz="2400" dirty="0" smtClean="0">
+              <a:latin typeface="+mn-lt"/>
+            </a:endParaRPr>
+          </a:p>
+          <a:p>
+            <a:pPr lvl="2"/>
+            <a:r>
+              <a:rPr sz="2400" dirty="0" smtClean="0">
+                <a:latin typeface="+mn-lt"/>
+              </a:rPr>
+              <a:t>1st </a:t>
+            </a:r>
+            <a:r>
+              <a:rPr sz="2400" dirty="0">
+                <a:latin typeface="+mn-lt"/>
+              </a:rPr>
+              <a:t>category: websites where you can access static information.</a:t>
+            </a:r>
+          </a:p>
+          <a:p>
+            <a:pPr lvl="3"/>
+            <a:r>
+              <a:rPr sz="2400" dirty="0">
+                <a:latin typeface="+mn-lt"/>
+              </a:rPr>
               <a:t>These websites might not change much over time.</a:t>
             </a:r>
           </a:p>
           <a:p>
-            <a:pPr lvl="1"/>
-            <a:r>
-              <a:rPr/>
-              <a:t>As a user, you can’t do much to change the content site or how it works for you.</a:t>
-            </a:r>
-          </a:p>
-          <a:p>
-            <a:pPr lvl="1"/>
-            <a:r>
-              <a:rPr/>
-              <a:t>Lots of the earliest web pages were like this.</a:t>
-            </a:r>
-          </a:p>
-          <a:p>
-            <a:pPr lvl="1"/>
-            <a:r>
-              <a:rPr/>
-              <a:t>Ask learners, what are examples of static pages? Think of sites that don’t have new content often, or ever. Or sites with very few pages.</a:t>
-            </a:r>
-          </a:p>
-          <a:p>
-            <a:pPr marL="1270000" indent="0">
-              <a:buNone/>
-            </a:pPr>
-            <a:r>
-              <a:rPr sz="2000"/>
-              <a:t>Tip! Examples might be DMV site, small restaurant, etc. These websites are designed primarily to convey information.</a:t>
-            </a:r>
-          </a:p>
-          <a:p>
-            <a:pPr lvl="1"/>
-            <a:r>
-              <a:rPr/>
-              <a:t>2nd category: websites where, as the user, you can do something like create an outcome or change by using the page.</a:t>
-            </a:r>
-          </a:p>
-          <a:p>
-            <a:pPr lvl="1"/>
-            <a:r>
-              <a:rPr/>
-              <a:t>These are websites you use to make something happen.</a:t>
-            </a:r>
-          </a:p>
-          <a:p>
-            <a:pPr lvl="1"/>
-            <a:r>
-              <a:rPr/>
-              <a:t>You might create or share something, or do something to change what content is displayed, or provide information in order to complete a task.</a:t>
-            </a:r>
-          </a:p>
-          <a:p>
-            <a:pPr lvl="1"/>
-            <a:r>
-              <a:rPr/>
-              <a:t>Ask learners, What are examples of websites like these? What’s the last thing you did on the web?</a:t>
-            </a:r>
-          </a:p>
-          <a:p>
-            <a:pPr marL="1270000" indent="0">
-              <a:buNone/>
-            </a:pPr>
-            <a:r>
-              <a:rPr sz="2000"/>
-              <a:t>Tip! Examples might be a public library’s website where you can search for and reserve books and other resources. Or any web mail client like Gmail, Yahoo mail, hotmail, or instant messaging services. Shopping sites, web-based games, social media sites, etc. Google Search is a web application and so is Facebook.</a:t>
-            </a:r>
-          </a:p>
-          <a:p>
-            <a:pPr lvl="1"/>
-            <a:r>
-              <a:rPr/>
-              <a:t>Websites (or parts of websites) that allow users to do something on the web are called web applications.</a:t>
-            </a:r>
-          </a:p>
-          <a:p>
-            <a:pPr lvl="1"/>
-            <a:r>
-              <a:rPr/>
-              <a:t>These web applications are powered by programs (code) that let the client computer (the one you use to browse with) to work with the server (the computer where the website lives) to make something happen.</a:t>
-            </a:r>
-          </a:p>
-          <a:p>
-            <a:pPr lvl="1"/>
-            <a:r>
-              <a:rPr/>
-              <a:t>Lots of small, simple elements learners have probably seen before can be thought of as web applications.</a:t>
-            </a:r>
-          </a:p>
-          <a:p>
-            <a:pPr lvl="1"/>
-            <a:r>
-              <a:rPr/>
-              <a:t>Web forms that allow users to submit information, for instance their name and email address.</a:t>
-            </a:r>
-          </a:p>
-          <a:p>
-            <a:pPr lvl="1"/>
-            <a:r>
-              <a:rPr/>
-              <a:t>Search bars that allow users to access a set results based on a question or term that you type into a search bar.</a:t>
-            </a:r>
-          </a:p>
-          <a:p>
-            <a:pPr lvl="1"/>
-            <a:r>
-              <a:rPr/>
-              <a:t>Ask learners if they have used search bars or web forms– if so, they have used web apps!</a:t>
-            </a:r>
-          </a:p>
-          <a:p>
-            <a:pPr lvl="1"/>
-            <a:r>
-              <a:rPr/>
-              <a:t>Explain that web apps can be much more complex, too. Thimble is a web app for creating web pages. Thimble is a coding tool for writing HTML and other web languages; it also publishes learners’ pages so they’re actually online, on the web.</a:t>
-            </a:r>
-          </a:p>
-          <a:p>
-            <a:pPr marL="1270000" indent="0">
-              <a:buNone/>
-            </a:pPr>
-            <a:r>
-              <a:rPr sz="2000"/>
-              <a:t>Tip! If learners have already done the “Building Basic Pages” activity, (which is a recommended) you can remind them that they don’t need to be online OR use a web app like Thimble to create web pages. They can use a simple text editor to write HTML and save their pages, and use any browser to view pages. These pages are offline until uploaded to a web server.</a:t>
-            </a:r>
+            <a:pPr lvl="2"/>
+            <a:r>
+              <a:rPr sz="2400" dirty="0" smtClean="0">
+                <a:latin typeface="+mn-lt"/>
+              </a:rPr>
+              <a:t>2nd </a:t>
+            </a:r>
+            <a:r>
+              <a:rPr sz="2400" dirty="0">
+                <a:latin typeface="+mn-lt"/>
+              </a:rPr>
+              <a:t>category: websites where, as the user, you can do something like create an outcome or change by using the page.</a:t>
+            </a:r>
+          </a:p>
+          <a:p>
+            <a:pPr lvl="2"/>
+            <a:r>
+              <a:rPr sz="2400" dirty="0" smtClean="0">
+                <a:latin typeface="+mn-lt"/>
+              </a:rPr>
+              <a:t>These </a:t>
+            </a:r>
+            <a:r>
+              <a:rPr sz="2400" dirty="0">
+                <a:latin typeface="+mn-lt"/>
+              </a:rPr>
+              <a:t>web applications are powered by programs (code) that let the client computer (the one you use to browse with) to work with the server (the computer where the website lives) to make something happen</a:t>
+            </a:r>
+            <a:r>
+              <a:rPr sz="2400" dirty="0" smtClean="0">
+                <a:latin typeface="+mn-lt"/>
+              </a:rPr>
+              <a:t>.</a:t>
+            </a:r>
+            <a:endParaRPr sz="2400" dirty="0">
+              <a:latin typeface="+mn-lt"/>
+            </a:endParaRPr>
           </a:p>
         </p:txBody>
       </p:sp>
@@ -7086,65 +7327,65 @@
         <p:spPr/>
         <p:txBody>
           <a:bodyPr>
-            <a:normAutofit fontScale="40000" lnSpcReduction="20000"/>
+            <a:noAutofit/>
           </a:bodyPr>
           <a:lstStyle/>
           <a:p>
             <a:pPr lvl="1"/>
             <a:r>
-              <a:rPr/>
+              <a:rPr sz="2400" dirty="0"/>
               <a:t>For this section, the facilitator should project their screen so all learners can see the Thimble tour. Ideally, learners will follow along on their own computers. Learners may find it helpful to work in pairs. &gt; Tip! It’s best if users sign in/create an account so they can publish pages. However, if users don’t feel comfortable creating an account, they can play around with writing or editing HTML in the editor, and seeing how the results change in the preview window. They will not be able to publish pages.</a:t>
             </a:r>
           </a:p>
           <a:p>
             <a:pPr lvl="1"/>
             <a:r>
-              <a:rPr/>
+              <a:rPr sz="2400" dirty="0"/>
               <a:t>Go to the </a:t>
             </a:r>
             <a:r>
-              <a:rPr>
+              <a:rPr sz="2400" dirty="0">
                 <a:hlinkClick r:id="rId3"/>
               </a:rPr>
               <a:t>Thimble Home page</a:t>
             </a:r>
             <a:r>
-              <a:rPr/>
+              <a:rPr sz="2400" dirty="0"/>
               <a:t>, and click “Start a Project From Scratch”. Explain to users that we’ve now left the Thimble home page and we’re using Thimble as a web application to do something– to make HTML pages. We’re doing this in the browser, which is pretty cool!</a:t>
             </a:r>
           </a:p>
           <a:p>
             <a:pPr lvl="1"/>
             <a:r>
-              <a:rPr/>
+              <a:rPr sz="2400" dirty="0"/>
               <a:t>Ask learners, what do you see– how does this page look different from the Thimble home page? How is the page divided up? What is each section or window for? What’s the relationship between the sections? Let learners talk and come up with answers, but be sure they understand the following:</a:t>
             </a:r>
           </a:p>
           <a:p>
             <a:pPr lvl="2"/>
             <a:r>
-              <a:rPr/>
+              <a:rPr sz="2400" dirty="0"/>
               <a:t>At the top left, there’s an area where you can type in and change the filename from “untitled project” to a filename that makes sense for the page you want to create page.</a:t>
             </a:r>
           </a:p>
           <a:p>
             <a:pPr lvl="2"/>
             <a:r>
-              <a:rPr/>
+              <a:rPr sz="2400" dirty="0"/>
               <a:t>On the left, there’s a space called FILES where we see two file names. These are the two files that we can work on and edit for this project. Learners can switch between them by clicking on the names. If learners create new files, they’ll appear here.</a:t>
             </a:r>
           </a:p>
           <a:p>
             <a:pPr lvl="2"/>
             <a:r>
-              <a:rPr/>
+              <a:rPr sz="2400" dirty="0"/>
               <a:t>In the middle there’s space called EDITOR, where we can see the HTML code, and we can edit it there, too.</a:t>
             </a:r>
           </a:p>
           <a:p>
             <a:pPr lvl="2"/>
             <a:r>
-              <a:rPr/>
+              <a:rPr sz="2400" dirty="0"/>
               <a:t>On the right, there’s a space called “PREVIEW” – when we edit code, we see how it will look in a browser– and the changes will happen as we type!</a:t>
             </a:r>
           </a:p>
@@ -7153,35 +7394,51 @@
               <a:buNone/>
             </a:pPr>
             <a:r>
-              <a:rPr sz="2000"/>
+              <a:rPr sz="2400" dirty="0"/>
               <a:t>Tip! This is a cool feature, so give users some small tasks to do– for example, changing the size of the heading, or editing the word “amazing.”</a:t>
             </a:r>
           </a:p>
           <a:p>
             <a:pPr lvl="1"/>
             <a:r>
-              <a:rPr/>
+              <a:rPr sz="2400" dirty="0"/>
               <a:t>Note that changes or additions that don’t follow HTML rules won’t appear in preview– learners check for problems in the editor, where the mistake or “bug” will be highlighted in red in the editor window.</a:t>
             </a:r>
           </a:p>
           <a:p>
             <a:pPr lvl="1"/>
             <a:r>
-              <a:rPr/>
-              <a:t>Also note the address in the browser bar, at the top of the screen– if you are not signed in, there should be a blackslash following the address “https://thimble.mozilla.org/en-US/” and then “anonymous” and a backslash + string of letters and numbers – this is a placeholder location on Mozilla’s server where your Thimble session will be stored temporarily.</a:t>
+              <a:rPr sz="2400" dirty="0"/>
+              <a:t>Also note the address in the browser bar, at the top of the screen– if you are not signed in, there should be a </a:t>
+            </a:r>
+            <a:r>
+              <a:rPr sz="2400" dirty="0" err="1"/>
+              <a:t>blackslash</a:t>
+            </a:r>
+            <a:r>
+              <a:rPr sz="2400" dirty="0"/>
+              <a:t> following the address “https://thimble.mozilla.org/</a:t>
+            </a:r>
+            <a:r>
+              <a:rPr sz="2400" dirty="0" err="1"/>
+              <a:t>en</a:t>
+            </a:r>
+            <a:r>
+              <a:rPr sz="2400" dirty="0"/>
+              <a:t>-US/” and then “anonymous” and a backslash + string of letters and numbers – this is a placeholder location on Mozilla’s server where your Thimble session will be stored temporarily.</a:t>
             </a:r>
           </a:p>
           <a:p>
             <a:pPr lvl="1"/>
             <a:r>
-              <a:rPr/>
+              <a:rPr sz="2400" dirty="0"/>
               <a:t>If learners are signed in, the web address will be https://thimble.mozilla.org/en-US/ + / username + /some random short set of numbers. * This is a location (a URL) the web app has created to store this learner’s work on the project, it’s the Thimble view of the project. * * Learners can also find their projects clicking on the user name in the top right and selecting “My Projects.”</a:t>
             </a:r>
           </a:p>
           <a:p>
             <a:pPr lvl="1"/>
             <a:r>
-              <a:rPr/>
+              <a:rPr sz="2400" dirty="0"/>
               <a:t>On top right, there’s a PUBLISH button. If a learner is signed in to Thimble and presses this button, their page will be saved on Mozilla’s servers, and be accessible on the web. Thimble will provide them with a web address that’s different from the one for the Thimble view. This publishes the address of their page, LIVE on the Web! Anyone, anywhere on the web can view their page at this address. &gt; Tip! You may need to clarify for users that people visiting this address will see just the page itself, NOT the working Thimble view with the editor window and all the options. Test it out, and compare the published address vs. the address of the Thimble view.</a:t>
             </a:r>
           </a:p>
